--- a/weekly_meetings/10142022_Presentation.pptx
+++ b/weekly_meetings/10142022_Presentation.pptx
@@ -7,6 +7,15 @@
   <p:sldIdLst>
     <p:sldId id="256" r:id="rId2"/>
     <p:sldId id="285" r:id="rId3"/>
+    <p:sldId id="300" r:id="rId4"/>
+    <p:sldId id="305" r:id="rId5"/>
+    <p:sldId id="306" r:id="rId6"/>
+    <p:sldId id="301" r:id="rId7"/>
+    <p:sldId id="302" r:id="rId8"/>
+    <p:sldId id="303" r:id="rId9"/>
+    <p:sldId id="304" r:id="rId10"/>
+    <p:sldId id="298" r:id="rId11"/>
+    <p:sldId id="286" r:id="rId12"/>
   </p:sldIdLst>
   <p:sldSz cx="12192000" cy="6858000"/>
   <p:notesSz cx="6858000" cy="9144000"/>
@@ -105,6 +114,11 @@
       </a:defRPr>
     </a:lvl9pPr>
   </p:defaultTextStyle>
+  <p:extLst>
+    <p:ext uri="{EFAFB233-063F-42B5-8137-9DF3F51BA10A}">
+      <p15:sldGuideLst xmlns:p15="http://schemas.microsoft.com/office/powerpoint/2012/main"/>
+    </p:ext>
+  </p:extLst>
 </p:presentation>
 </file>
 
@@ -278,7 +292,7 @@
           <a:p>
             <a:fld id="{AF20C1CE-0746-944E-92A7-6604E73DE184}" type="datetimeFigureOut">
               <a:rPr lang="en-US" smtClean="0"/>
-              <a:t>10/7/22</a:t>
+              <a:t>10/11/22</a:t>
             </a:fld>
             <a:endParaRPr lang="en-US"/>
           </a:p>
@@ -545,7 +559,7 @@
           <a:p>
             <a:fld id="{AF20C1CE-0746-944E-92A7-6604E73DE184}" type="datetimeFigureOut">
               <a:rPr lang="en-US" smtClean="0"/>
-              <a:t>10/7/22</a:t>
+              <a:t>10/11/22</a:t>
             </a:fld>
             <a:endParaRPr lang="en-US"/>
           </a:p>
@@ -776,7 +790,7 @@
           <a:p>
             <a:fld id="{AF20C1CE-0746-944E-92A7-6604E73DE184}" type="datetimeFigureOut">
               <a:rPr lang="en-US" smtClean="0"/>
-              <a:t>10/7/22</a:t>
+              <a:t>10/11/22</a:t>
             </a:fld>
             <a:endParaRPr lang="en-US"/>
           </a:p>
@@ -1086,7 +1100,7 @@
           <a:p>
             <a:fld id="{AF20C1CE-0746-944E-92A7-6604E73DE184}" type="datetimeFigureOut">
               <a:rPr lang="en-US" smtClean="0"/>
-              <a:t>10/7/22</a:t>
+              <a:t>10/11/22</a:t>
             </a:fld>
             <a:endParaRPr lang="en-US"/>
           </a:p>
@@ -1559,7 +1573,7 @@
           <a:p>
             <a:fld id="{AF20C1CE-0746-944E-92A7-6604E73DE184}" type="datetimeFigureOut">
               <a:rPr lang="en-US" smtClean="0"/>
-              <a:t>10/7/22</a:t>
+              <a:t>10/11/22</a:t>
             </a:fld>
             <a:endParaRPr lang="en-US"/>
           </a:p>
@@ -2106,7 +2120,7 @@
           <a:p>
             <a:fld id="{AF20C1CE-0746-944E-92A7-6604E73DE184}" type="datetimeFigureOut">
               <a:rPr lang="en-US" smtClean="0"/>
-              <a:t>10/7/22</a:t>
+              <a:t>10/11/22</a:t>
             </a:fld>
             <a:endParaRPr lang="en-US"/>
           </a:p>
@@ -2880,7 +2894,7 @@
           <a:p>
             <a:fld id="{AF20C1CE-0746-944E-92A7-6604E73DE184}" type="datetimeFigureOut">
               <a:rPr lang="en-US" smtClean="0"/>
-              <a:t>10/7/22</a:t>
+              <a:t>10/11/22</a:t>
             </a:fld>
             <a:endParaRPr lang="en-US"/>
           </a:p>
@@ -3055,7 +3069,7 @@
           <a:p>
             <a:fld id="{AF20C1CE-0746-944E-92A7-6604E73DE184}" type="datetimeFigureOut">
               <a:rPr lang="en-US" smtClean="0"/>
-              <a:t>10/7/22</a:t>
+              <a:t>10/11/22</a:t>
             </a:fld>
             <a:endParaRPr lang="en-US"/>
           </a:p>
@@ -3278,7 +3292,7 @@
           <a:p>
             <a:fld id="{AF20C1CE-0746-944E-92A7-6604E73DE184}" type="datetimeFigureOut">
               <a:rPr lang="en-US" smtClean="0"/>
-              <a:t>10/7/22</a:t>
+              <a:t>10/11/22</a:t>
             </a:fld>
             <a:endParaRPr lang="en-US"/>
           </a:p>
@@ -3458,7 +3472,7 @@
           <a:p>
             <a:fld id="{AF20C1CE-0746-944E-92A7-6604E73DE184}" type="datetimeFigureOut">
               <a:rPr lang="en-US" smtClean="0"/>
-              <a:t>10/7/22</a:t>
+              <a:t>10/11/22</a:t>
             </a:fld>
             <a:endParaRPr lang="en-US"/>
           </a:p>
@@ -3747,7 +3761,7 @@
           <a:p>
             <a:fld id="{AF20C1CE-0746-944E-92A7-6604E73DE184}" type="datetimeFigureOut">
               <a:rPr lang="en-US" smtClean="0"/>
-              <a:t>10/7/22</a:t>
+              <a:t>10/11/22</a:t>
             </a:fld>
             <a:endParaRPr lang="en-US"/>
           </a:p>
@@ -3989,7 +4003,7 @@
           <a:p>
             <a:fld id="{AF20C1CE-0746-944E-92A7-6604E73DE184}" type="datetimeFigureOut">
               <a:rPr lang="en-US" smtClean="0"/>
-              <a:t>10/7/22</a:t>
+              <a:t>10/11/22</a:t>
             </a:fld>
             <a:endParaRPr lang="en-US"/>
           </a:p>
@@ -4368,7 +4382,7 @@
           <a:p>
             <a:fld id="{AF20C1CE-0746-944E-92A7-6604E73DE184}" type="datetimeFigureOut">
               <a:rPr lang="en-US" smtClean="0"/>
-              <a:t>10/7/22</a:t>
+              <a:t>10/11/22</a:t>
             </a:fld>
             <a:endParaRPr lang="en-US"/>
           </a:p>
@@ -4486,7 +4500,7 @@
           <a:p>
             <a:fld id="{AF20C1CE-0746-944E-92A7-6604E73DE184}" type="datetimeFigureOut">
               <a:rPr lang="en-US" smtClean="0"/>
-              <a:t>10/7/22</a:t>
+              <a:t>10/11/22</a:t>
             </a:fld>
             <a:endParaRPr lang="en-US"/>
           </a:p>
@@ -4581,7 +4595,7 @@
           <a:p>
             <a:fld id="{AF20C1CE-0746-944E-92A7-6604E73DE184}" type="datetimeFigureOut">
               <a:rPr lang="en-US" smtClean="0"/>
-              <a:t>10/7/22</a:t>
+              <a:t>10/11/22</a:t>
             </a:fld>
             <a:endParaRPr lang="en-US"/>
           </a:p>
@@ -4830,7 +4844,7 @@
           <a:p>
             <a:fld id="{AF20C1CE-0746-944E-92A7-6604E73DE184}" type="datetimeFigureOut">
               <a:rPr lang="en-US" smtClean="0"/>
-              <a:t>10/7/22</a:t>
+              <a:t>10/11/22</a:t>
             </a:fld>
             <a:endParaRPr lang="en-US"/>
           </a:p>
@@ -5087,7 +5101,7 @@
           <a:p>
             <a:fld id="{AF20C1CE-0746-944E-92A7-6604E73DE184}" type="datetimeFigureOut">
               <a:rPr lang="en-US" smtClean="0"/>
-              <a:t>10/7/22</a:t>
+              <a:t>10/11/22</a:t>
             </a:fld>
             <a:endParaRPr lang="en-US"/>
           </a:p>
@@ -5330,7 +5344,7 @@
           <a:p>
             <a:fld id="{AF20C1CE-0746-944E-92A7-6604E73DE184}" type="datetimeFigureOut">
               <a:rPr lang="en-US" smtClean="0"/>
-              <a:t>10/7/22</a:t>
+              <a:t>10/11/22</a:t>
             </a:fld>
             <a:endParaRPr lang="en-US"/>
           </a:p>
@@ -5822,6 +5836,400 @@
 </p:sld>
 </file>
 
+<file path=ppt/slides/slide10.xml><?xml version="1.0" encoding="utf-8"?>
+<p:sld xmlns:a="http://schemas.openxmlformats.org/drawingml/2006/main" xmlns:r="http://schemas.openxmlformats.org/officeDocument/2006/relationships" xmlns:p="http://schemas.openxmlformats.org/presentationml/2006/main">
+  <p:cSld>
+    <p:spTree>
+      <p:nvGrpSpPr>
+        <p:cNvPr id="1" name=""/>
+        <p:cNvGrpSpPr/>
+        <p:nvPr/>
+      </p:nvGrpSpPr>
+      <p:grpSpPr>
+        <a:xfrm>
+          <a:off x="0" y="0"/>
+          <a:ext cx="0" cy="0"/>
+          <a:chOff x="0" y="0"/>
+          <a:chExt cx="0" cy="0"/>
+        </a:xfrm>
+      </p:grpSpPr>
+      <p:sp>
+        <p:nvSpPr>
+          <p:cNvPr id="2" name="Title 1">
+            <a:extLst>
+              <a:ext uri="{FF2B5EF4-FFF2-40B4-BE49-F238E27FC236}">
+                <a16:creationId xmlns:a16="http://schemas.microsoft.com/office/drawing/2014/main" id="{47F801B2-593B-624B-154E-99654F3B272A}"/>
+              </a:ext>
+            </a:extLst>
+          </p:cNvPr>
+          <p:cNvSpPr>
+            <a:spLocks noGrp="1"/>
+          </p:cNvSpPr>
+          <p:nvPr>
+            <p:ph type="title"/>
+          </p:nvPr>
+        </p:nvSpPr>
+        <p:spPr/>
+        <p:txBody>
+          <a:bodyPr/>
+          <a:lstStyle/>
+          <a:p>
+            <a:r>
+              <a:rPr lang="en-US" dirty="0"/>
+              <a:t>Priorities</a:t>
+            </a:r>
+          </a:p>
+        </p:txBody>
+      </p:sp>
+      <p:sp>
+        <p:nvSpPr>
+          <p:cNvPr id="3" name="Content Placeholder 2">
+            <a:extLst>
+              <a:ext uri="{FF2B5EF4-FFF2-40B4-BE49-F238E27FC236}">
+                <a16:creationId xmlns:a16="http://schemas.microsoft.com/office/drawing/2014/main" id="{70A1E7F2-842A-84E6-CE82-818E7BA7405E}"/>
+              </a:ext>
+            </a:extLst>
+          </p:cNvPr>
+          <p:cNvSpPr>
+            <a:spLocks noGrp="1"/>
+          </p:cNvSpPr>
+          <p:nvPr>
+            <p:ph idx="1"/>
+          </p:nvPr>
+        </p:nvSpPr>
+        <p:spPr/>
+        <p:txBody>
+          <a:bodyPr>
+            <a:normAutofit fontScale="92500" lnSpcReduction="10000"/>
+          </a:bodyPr>
+          <a:lstStyle/>
+          <a:p>
+            <a:r>
+              <a:rPr lang="en-US" dirty="0"/>
+              <a:t>Finish up </a:t>
+            </a:r>
+            <a:r>
+              <a:rPr lang="en-US" dirty="0" err="1"/>
+              <a:t>FF_med</a:t>
+            </a:r>
+            <a:r>
+              <a:rPr lang="en-US" dirty="0"/>
+              <a:t> simulations</a:t>
+            </a:r>
+          </a:p>
+          <a:p>
+            <a:pPr lvl="1"/>
+            <a:r>
+              <a:rPr lang="en-US" dirty="0"/>
+              <a:t>With the knowledge I have of the different wind speeds, z0, I can get the final simulation running</a:t>
+            </a:r>
+          </a:p>
+          <a:p>
+            <a:r>
+              <a:rPr lang="en-US" dirty="0"/>
+              <a:t>Test the </a:t>
+            </a:r>
+            <a:r>
+              <a:rPr lang="en-US" dirty="0" err="1"/>
+              <a:t>Balbi</a:t>
+            </a:r>
+            <a:r>
+              <a:rPr lang="en-US" dirty="0"/>
+              <a:t> model for backfire ROS</a:t>
+            </a:r>
+          </a:p>
+          <a:p>
+            <a:pPr lvl="1"/>
+            <a:r>
+              <a:rPr lang="en-US" dirty="0"/>
+              <a:t>Complete</a:t>
+            </a:r>
+          </a:p>
+          <a:p>
+            <a:r>
+              <a:rPr lang="en-US" dirty="0"/>
+              <a:t>Test the </a:t>
+            </a:r>
+            <a:r>
+              <a:rPr lang="en-US" dirty="0" err="1"/>
+              <a:t>Rothermel</a:t>
+            </a:r>
+            <a:r>
+              <a:rPr lang="en-US" dirty="0"/>
+              <a:t> and </a:t>
+            </a:r>
+            <a:r>
+              <a:rPr lang="en-US" dirty="0" err="1"/>
+              <a:t>Balbi</a:t>
+            </a:r>
+            <a:r>
+              <a:rPr lang="en-US" dirty="0"/>
+              <a:t> model for 164</a:t>
+            </a:r>
+          </a:p>
+          <a:p>
+            <a:pPr lvl="1"/>
+            <a:r>
+              <a:rPr lang="en-US" dirty="0"/>
+              <a:t>Complete</a:t>
+            </a:r>
+          </a:p>
+          <a:p>
+            <a:r>
+              <a:rPr lang="en-US" dirty="0"/>
+              <a:t>Write the paper for LLNL about my progress</a:t>
+            </a:r>
+          </a:p>
+          <a:p>
+            <a:r>
+              <a:rPr lang="en-US" dirty="0"/>
+              <a:t>Begin writing my thesis</a:t>
+            </a:r>
+          </a:p>
+          <a:p>
+            <a:pPr lvl="1"/>
+            <a:r>
+              <a:rPr lang="en-US" dirty="0"/>
+              <a:t>Lit review, intro, abstract, etc. </a:t>
+            </a:r>
+          </a:p>
+          <a:p>
+            <a:r>
+              <a:rPr lang="en-US" dirty="0"/>
+              <a:t>Add more points to the lower levels to force the model</a:t>
+            </a:r>
+          </a:p>
+          <a:p>
+            <a:pPr lvl="1"/>
+            <a:r>
+              <a:rPr lang="en-US" dirty="0"/>
+              <a:t>Complete</a:t>
+            </a:r>
+          </a:p>
+          <a:p>
+            <a:endParaRPr lang="en-US" dirty="0"/>
+          </a:p>
+        </p:txBody>
+      </p:sp>
+    </p:spTree>
+    <p:extLst>
+      <p:ext uri="{BB962C8B-B14F-4D97-AF65-F5344CB8AC3E}">
+        <p14:creationId xmlns:p14="http://schemas.microsoft.com/office/powerpoint/2010/main" val="4207708105"/>
+      </p:ext>
+    </p:extLst>
+  </p:cSld>
+  <p:clrMapOvr>
+    <a:masterClrMapping/>
+  </p:clrMapOvr>
+</p:sld>
+</file>
+
+<file path=ppt/slides/slide11.xml><?xml version="1.0" encoding="utf-8"?>
+<p:sld xmlns:a="http://schemas.openxmlformats.org/drawingml/2006/main" xmlns:r="http://schemas.openxmlformats.org/officeDocument/2006/relationships" xmlns:p="http://schemas.openxmlformats.org/presentationml/2006/main">
+  <p:cSld>
+    <p:spTree>
+      <p:nvGrpSpPr>
+        <p:cNvPr id="1" name=""/>
+        <p:cNvGrpSpPr/>
+        <p:nvPr/>
+      </p:nvGrpSpPr>
+      <p:grpSpPr>
+        <a:xfrm>
+          <a:off x="0" y="0"/>
+          <a:ext cx="0" cy="0"/>
+          <a:chOff x="0" y="0"/>
+          <a:chExt cx="0" cy="0"/>
+        </a:xfrm>
+      </p:grpSpPr>
+      <p:sp>
+        <p:nvSpPr>
+          <p:cNvPr id="2" name="Title 1">
+            <a:extLst>
+              <a:ext uri="{FF2B5EF4-FFF2-40B4-BE49-F238E27FC236}">
+                <a16:creationId xmlns:a16="http://schemas.microsoft.com/office/drawing/2014/main" id="{E3AD973B-4013-51AB-23E6-E312BBF41ED8}"/>
+              </a:ext>
+            </a:extLst>
+          </p:cNvPr>
+          <p:cNvSpPr>
+            <a:spLocks noGrp="1"/>
+          </p:cNvSpPr>
+          <p:nvPr>
+            <p:ph type="title"/>
+          </p:nvPr>
+        </p:nvSpPr>
+        <p:spPr/>
+        <p:txBody>
+          <a:bodyPr/>
+          <a:lstStyle/>
+          <a:p>
+            <a:r>
+              <a:rPr lang="en-US" dirty="0"/>
+              <a:t>To do</a:t>
+            </a:r>
+          </a:p>
+        </p:txBody>
+      </p:sp>
+      <p:sp>
+        <p:nvSpPr>
+          <p:cNvPr id="3" name="Content Placeholder 2">
+            <a:extLst>
+              <a:ext uri="{FF2B5EF4-FFF2-40B4-BE49-F238E27FC236}">
+                <a16:creationId xmlns:a16="http://schemas.microsoft.com/office/drawing/2014/main" id="{AE3E9417-55F7-F751-F912-BDDFA69323E3}"/>
+              </a:ext>
+            </a:extLst>
+          </p:cNvPr>
+          <p:cNvSpPr>
+            <a:spLocks noGrp="1"/>
+          </p:cNvSpPr>
+          <p:nvPr>
+            <p:ph idx="1"/>
+          </p:nvPr>
+        </p:nvSpPr>
+        <p:spPr/>
+        <p:txBody>
+          <a:bodyPr>
+            <a:normAutofit fontScale="85000" lnSpcReduction="20000"/>
+          </a:bodyPr>
+          <a:lstStyle/>
+          <a:p>
+            <a:r>
+              <a:rPr lang="en-US" dirty="0"/>
+              <a:t>Finish up </a:t>
+            </a:r>
+            <a:r>
+              <a:rPr lang="en-US" dirty="0" err="1"/>
+              <a:t>FF_med</a:t>
+            </a:r>
+            <a:r>
+              <a:rPr lang="en-US" dirty="0"/>
+              <a:t> simulations</a:t>
+            </a:r>
+          </a:p>
+          <a:p>
+            <a:pPr lvl="1"/>
+            <a:r>
+              <a:rPr lang="en-US" dirty="0"/>
+              <a:t>With the knowledge I have of the different wind speeds, z0, I can get the final simulation running</a:t>
+            </a:r>
+          </a:p>
+          <a:p>
+            <a:r>
+              <a:rPr lang="en-US" dirty="0"/>
+              <a:t>Test the </a:t>
+            </a:r>
+            <a:r>
+              <a:rPr lang="en-US" dirty="0" err="1"/>
+              <a:t>Rothermel</a:t>
+            </a:r>
+            <a:r>
+              <a:rPr lang="en-US" dirty="0"/>
+              <a:t> and </a:t>
+            </a:r>
+            <a:r>
+              <a:rPr lang="en-US" dirty="0" err="1"/>
+              <a:t>Balbi</a:t>
+            </a:r>
+            <a:r>
+              <a:rPr lang="en-US" dirty="0"/>
+              <a:t> model for 164</a:t>
+            </a:r>
+          </a:p>
+          <a:p>
+            <a:r>
+              <a:rPr lang="en-US" dirty="0"/>
+              <a:t>Learn about containers in Unix</a:t>
+            </a:r>
+          </a:p>
+          <a:p>
+            <a:pPr lvl="1"/>
+            <a:r>
+              <a:rPr lang="en-US" dirty="0"/>
+              <a:t>Read the paper sent to me about containers</a:t>
+            </a:r>
+          </a:p>
+          <a:p>
+            <a:r>
+              <a:rPr lang="en-US" dirty="0"/>
+              <a:t>Run the hill case on the </a:t>
+            </a:r>
+            <a:r>
+              <a:rPr lang="en-US" dirty="0" err="1"/>
+              <a:t>nasa</a:t>
+            </a:r>
+            <a:r>
+              <a:rPr lang="en-US" dirty="0"/>
+              <a:t> cluster</a:t>
+            </a:r>
+          </a:p>
+          <a:p>
+            <a:pPr lvl="1"/>
+            <a:r>
+              <a:rPr lang="en-US" dirty="0"/>
+              <a:t>Learn how to login to an interactive node</a:t>
+            </a:r>
+          </a:p>
+          <a:p>
+            <a:pPr lvl="1"/>
+            <a:r>
+              <a:rPr lang="en-US" dirty="0"/>
+              <a:t>Learn how to use </a:t>
+            </a:r>
+            <a:r>
+              <a:rPr lang="en-US" dirty="0" err="1"/>
+              <a:t>mpi</a:t>
+            </a:r>
+            <a:r>
+              <a:rPr lang="en-US" dirty="0"/>
+              <a:t> execute commands on that cluster</a:t>
+            </a:r>
+          </a:p>
+          <a:p>
+            <a:pPr lvl="1"/>
+            <a:r>
+              <a:rPr lang="en-US" dirty="0"/>
+              <a:t>Learn how to use their job submitting script</a:t>
+            </a:r>
+          </a:p>
+          <a:p>
+            <a:r>
+              <a:rPr lang="en-US" dirty="0"/>
+              <a:t>Install Anaconda on Nasa cluster</a:t>
+            </a:r>
+          </a:p>
+          <a:p>
+            <a:r>
+              <a:rPr lang="en-US" dirty="0"/>
+              <a:t>Write the paper for LLNL about my progress</a:t>
+            </a:r>
+          </a:p>
+          <a:p>
+            <a:r>
+              <a:rPr lang="en-US" dirty="0"/>
+              <a:t>Begin writing my thesis</a:t>
+            </a:r>
+          </a:p>
+          <a:p>
+            <a:pPr lvl="1"/>
+            <a:r>
+              <a:rPr lang="en-US" dirty="0"/>
+              <a:t>Lit review, intro, abstract, etc. </a:t>
+            </a:r>
+          </a:p>
+        </p:txBody>
+      </p:sp>
+    </p:spTree>
+    <p:extLst>
+      <p:ext uri="{BB962C8B-B14F-4D97-AF65-F5344CB8AC3E}">
+        <p14:creationId xmlns:p14="http://schemas.microsoft.com/office/powerpoint/2010/main" val="3913416560"/>
+      </p:ext>
+    </p:extLst>
+  </p:cSld>
+  <p:clrMapOvr>
+    <a:masterClrMapping/>
+  </p:clrMapOvr>
+</p:sld>
+</file>
+
 <file path=ppt/slides/slide2.xml><?xml version="1.0" encoding="utf-8"?>
 <p:sld xmlns:a="http://schemas.openxmlformats.org/drawingml/2006/main" xmlns:r="http://schemas.openxmlformats.org/officeDocument/2006/relationships" xmlns:p="http://schemas.openxmlformats.org/presentationml/2006/main">
   <p:cSld>
@@ -6021,6 +6429,843 @@
     <p:extLst>
       <p:ext uri="{BB962C8B-B14F-4D97-AF65-F5344CB8AC3E}">
         <p14:creationId xmlns:p14="http://schemas.microsoft.com/office/powerpoint/2010/main" val="1923486345"/>
+      </p:ext>
+    </p:extLst>
+  </p:cSld>
+  <p:clrMapOvr>
+    <a:masterClrMapping/>
+  </p:clrMapOvr>
+</p:sld>
+</file>
+
+<file path=ppt/slides/slide3.xml><?xml version="1.0" encoding="utf-8"?>
+<p:sld xmlns:a="http://schemas.openxmlformats.org/drawingml/2006/main" xmlns:r="http://schemas.openxmlformats.org/officeDocument/2006/relationships" xmlns:p="http://schemas.openxmlformats.org/presentationml/2006/main">
+  <p:cSld>
+    <p:spTree>
+      <p:nvGrpSpPr>
+        <p:cNvPr id="1" name=""/>
+        <p:cNvGrpSpPr/>
+        <p:nvPr/>
+      </p:nvGrpSpPr>
+      <p:grpSpPr>
+        <a:xfrm>
+          <a:off x="0" y="0"/>
+          <a:ext cx="0" cy="0"/>
+          <a:chOff x="0" y="0"/>
+          <a:chExt cx="0" cy="0"/>
+        </a:xfrm>
+      </p:grpSpPr>
+      <p:sp>
+        <p:nvSpPr>
+          <p:cNvPr id="2" name="Title 1">
+            <a:extLst>
+              <a:ext uri="{FF2B5EF4-FFF2-40B4-BE49-F238E27FC236}">
+                <a16:creationId xmlns:a16="http://schemas.microsoft.com/office/drawing/2014/main" id="{EA10CFDE-0CC9-B2E5-3225-0CB0EB5FD32B}"/>
+              </a:ext>
+            </a:extLst>
+          </p:cNvPr>
+          <p:cNvSpPr>
+            <a:spLocks noGrp="1"/>
+          </p:cNvSpPr>
+          <p:nvPr>
+            <p:ph type="title"/>
+          </p:nvPr>
+        </p:nvSpPr>
+        <p:spPr/>
+        <p:txBody>
+          <a:bodyPr/>
+          <a:lstStyle/>
+          <a:p>
+            <a:r>
+              <a:rPr lang="en-US" dirty="0"/>
+              <a:t>Modified Sounding</a:t>
+            </a:r>
+          </a:p>
+        </p:txBody>
+      </p:sp>
+      <p:sp>
+        <p:nvSpPr>
+          <p:cNvPr id="3" name="Content Placeholder 2">
+            <a:extLst>
+              <a:ext uri="{FF2B5EF4-FFF2-40B4-BE49-F238E27FC236}">
+                <a16:creationId xmlns:a16="http://schemas.microsoft.com/office/drawing/2014/main" id="{973975B2-62CD-BFD6-28BF-67D11DF809AE}"/>
+              </a:ext>
+            </a:extLst>
+          </p:cNvPr>
+          <p:cNvSpPr>
+            <a:spLocks noGrp="1"/>
+          </p:cNvSpPr>
+          <p:nvPr>
+            <p:ph idx="1"/>
+          </p:nvPr>
+        </p:nvSpPr>
+        <p:spPr/>
+        <p:txBody>
+          <a:bodyPr/>
+          <a:lstStyle/>
+          <a:p>
+            <a:r>
+              <a:rPr lang="en-US" dirty="0"/>
+              <a:t>To “force” the simulation to match observations, I added in a few more levels to help push the lower levels to match observations</a:t>
+            </a:r>
+          </a:p>
+          <a:p>
+            <a:endParaRPr lang="en-US" dirty="0"/>
+          </a:p>
+        </p:txBody>
+      </p:sp>
+      <p:pic>
+        <p:nvPicPr>
+          <p:cNvPr id="4" name="Picture 3">
+            <a:extLst>
+              <a:ext uri="{FF2B5EF4-FFF2-40B4-BE49-F238E27FC236}">
+                <a16:creationId xmlns:a16="http://schemas.microsoft.com/office/drawing/2014/main" id="{7E2CF3F6-21AA-3F1D-6370-7D9BDE37F615}"/>
+              </a:ext>
+            </a:extLst>
+          </p:cNvPr>
+          <p:cNvPicPr>
+            <a:picLocks noChangeAspect="1"/>
+          </p:cNvPicPr>
+          <p:nvPr/>
+        </p:nvPicPr>
+        <p:blipFill>
+          <a:blip r:embed="rId2"/>
+          <a:stretch>
+            <a:fillRect/>
+          </a:stretch>
+        </p:blipFill>
+        <p:spPr>
+          <a:xfrm>
+            <a:off x="0" y="3050116"/>
+            <a:ext cx="4162822" cy="3469018"/>
+          </a:xfrm>
+          <a:prstGeom prst="rect">
+            <a:avLst/>
+          </a:prstGeom>
+        </p:spPr>
+      </p:pic>
+    </p:spTree>
+    <p:extLst>
+      <p:ext uri="{BB962C8B-B14F-4D97-AF65-F5344CB8AC3E}">
+        <p14:creationId xmlns:p14="http://schemas.microsoft.com/office/powerpoint/2010/main" val="2606834753"/>
+      </p:ext>
+    </p:extLst>
+  </p:cSld>
+  <p:clrMapOvr>
+    <a:masterClrMapping/>
+  </p:clrMapOvr>
+</p:sld>
+</file>
+
+<file path=ppt/slides/slide4.xml><?xml version="1.0" encoding="utf-8"?>
+<p:sld xmlns:a="http://schemas.openxmlformats.org/drawingml/2006/main" xmlns:r="http://schemas.openxmlformats.org/officeDocument/2006/relationships" xmlns:p="http://schemas.openxmlformats.org/presentationml/2006/main">
+  <p:cSld>
+    <p:spTree>
+      <p:nvGrpSpPr>
+        <p:cNvPr id="1" name=""/>
+        <p:cNvGrpSpPr/>
+        <p:nvPr/>
+      </p:nvGrpSpPr>
+      <p:grpSpPr>
+        <a:xfrm>
+          <a:off x="0" y="0"/>
+          <a:ext cx="0" cy="0"/>
+          <a:chOff x="0" y="0"/>
+          <a:chExt cx="0" cy="0"/>
+        </a:xfrm>
+      </p:grpSpPr>
+      <p:sp>
+        <p:nvSpPr>
+          <p:cNvPr id="2" name="Title 1">
+            <a:extLst>
+              <a:ext uri="{FF2B5EF4-FFF2-40B4-BE49-F238E27FC236}">
+                <a16:creationId xmlns:a16="http://schemas.microsoft.com/office/drawing/2014/main" id="{CB290E62-4977-A92A-549C-212F515991DB}"/>
+              </a:ext>
+            </a:extLst>
+          </p:cNvPr>
+          <p:cNvSpPr>
+            <a:spLocks noGrp="1"/>
+          </p:cNvSpPr>
+          <p:nvPr>
+            <p:ph type="title"/>
+          </p:nvPr>
+        </p:nvSpPr>
+        <p:spPr/>
+        <p:txBody>
+          <a:bodyPr/>
+          <a:lstStyle/>
+          <a:p>
+            <a:r>
+              <a:rPr lang="en-US" dirty="0"/>
+              <a:t>Modified Sounding Results</a:t>
+            </a:r>
+          </a:p>
+        </p:txBody>
+      </p:sp>
+      <p:pic>
+        <p:nvPicPr>
+          <p:cNvPr id="3" name="Picture 2">
+            <a:extLst>
+              <a:ext uri="{FF2B5EF4-FFF2-40B4-BE49-F238E27FC236}">
+                <a16:creationId xmlns:a16="http://schemas.microsoft.com/office/drawing/2014/main" id="{7B185F41-65C9-FD03-B733-946F643C0493}"/>
+              </a:ext>
+            </a:extLst>
+          </p:cNvPr>
+          <p:cNvPicPr>
+            <a:picLocks noChangeAspect="1"/>
+          </p:cNvPicPr>
+          <p:nvPr/>
+        </p:nvPicPr>
+        <p:blipFill>
+          <a:blip r:embed="rId2"/>
+          <a:stretch>
+            <a:fillRect/>
+          </a:stretch>
+        </p:blipFill>
+        <p:spPr>
+          <a:xfrm>
+            <a:off x="0" y="3429000"/>
+            <a:ext cx="4129019" cy="3429000"/>
+          </a:xfrm>
+          <a:prstGeom prst="rect">
+            <a:avLst/>
+          </a:prstGeom>
+        </p:spPr>
+      </p:pic>
+      <p:pic>
+        <p:nvPicPr>
+          <p:cNvPr id="4" name="Picture 3">
+            <a:extLst>
+              <a:ext uri="{FF2B5EF4-FFF2-40B4-BE49-F238E27FC236}">
+                <a16:creationId xmlns:a16="http://schemas.microsoft.com/office/drawing/2014/main" id="{C3A6B467-C605-8A35-2806-0289DE341609}"/>
+              </a:ext>
+            </a:extLst>
+          </p:cNvPr>
+          <p:cNvPicPr>
+            <a:picLocks noChangeAspect="1"/>
+          </p:cNvPicPr>
+          <p:nvPr/>
+        </p:nvPicPr>
+        <p:blipFill>
+          <a:blip r:embed="rId3"/>
+          <a:stretch>
+            <a:fillRect/>
+          </a:stretch>
+        </p:blipFill>
+        <p:spPr>
+          <a:xfrm>
+            <a:off x="-1" y="-8188"/>
+            <a:ext cx="4129019" cy="3437188"/>
+          </a:xfrm>
+          <a:prstGeom prst="rect">
+            <a:avLst/>
+          </a:prstGeom>
+        </p:spPr>
+      </p:pic>
+      <p:pic>
+        <p:nvPicPr>
+          <p:cNvPr id="5" name="Picture 4">
+            <a:extLst>
+              <a:ext uri="{FF2B5EF4-FFF2-40B4-BE49-F238E27FC236}">
+                <a16:creationId xmlns:a16="http://schemas.microsoft.com/office/drawing/2014/main" id="{A8D36927-321A-8FF1-1323-7F05B9749EAB}"/>
+              </a:ext>
+            </a:extLst>
+          </p:cNvPr>
+          <p:cNvPicPr>
+            <a:picLocks noChangeAspect="1"/>
+          </p:cNvPicPr>
+          <p:nvPr/>
+        </p:nvPicPr>
+        <p:blipFill>
+          <a:blip r:embed="rId4"/>
+          <a:stretch>
+            <a:fillRect/>
+          </a:stretch>
+        </p:blipFill>
+        <p:spPr>
+          <a:xfrm>
+            <a:off x="4876289" y="1966202"/>
+            <a:ext cx="5882640" cy="4891798"/>
+          </a:xfrm>
+          <a:prstGeom prst="rect">
+            <a:avLst/>
+          </a:prstGeom>
+        </p:spPr>
+      </p:pic>
+    </p:spTree>
+    <p:extLst>
+      <p:ext uri="{BB962C8B-B14F-4D97-AF65-F5344CB8AC3E}">
+        <p14:creationId xmlns:p14="http://schemas.microsoft.com/office/powerpoint/2010/main" val="3088704238"/>
+      </p:ext>
+    </p:extLst>
+  </p:cSld>
+  <p:clrMapOvr>
+    <a:masterClrMapping/>
+  </p:clrMapOvr>
+</p:sld>
+</file>
+
+<file path=ppt/slides/slide5.xml><?xml version="1.0" encoding="utf-8"?>
+<p:sld xmlns:a="http://schemas.openxmlformats.org/drawingml/2006/main" xmlns:r="http://schemas.openxmlformats.org/officeDocument/2006/relationships" xmlns:p="http://schemas.openxmlformats.org/presentationml/2006/main">
+  <p:cSld>
+    <p:spTree>
+      <p:nvGrpSpPr>
+        <p:cNvPr id="1" name=""/>
+        <p:cNvGrpSpPr/>
+        <p:nvPr/>
+      </p:nvGrpSpPr>
+      <p:grpSpPr>
+        <a:xfrm>
+          <a:off x="0" y="0"/>
+          <a:ext cx="0" cy="0"/>
+          <a:chOff x="0" y="0"/>
+          <a:chExt cx="0" cy="0"/>
+        </a:xfrm>
+      </p:grpSpPr>
+      <p:sp>
+        <p:nvSpPr>
+          <p:cNvPr id="2" name="Title 1">
+            <a:extLst>
+              <a:ext uri="{FF2B5EF4-FFF2-40B4-BE49-F238E27FC236}">
+                <a16:creationId xmlns:a16="http://schemas.microsoft.com/office/drawing/2014/main" id="{7E3C8EE2-9E67-7315-C0CB-3FFC6CE23507}"/>
+              </a:ext>
+            </a:extLst>
+          </p:cNvPr>
+          <p:cNvSpPr>
+            <a:spLocks noGrp="1"/>
+          </p:cNvSpPr>
+          <p:nvPr>
+            <p:ph type="title"/>
+          </p:nvPr>
+        </p:nvSpPr>
+        <p:spPr/>
+        <p:txBody>
+          <a:bodyPr/>
+          <a:lstStyle/>
+          <a:p>
+            <a:r>
+              <a:rPr lang="en-US" dirty="0"/>
+              <a:t>Modified sounding results</a:t>
+            </a:r>
+          </a:p>
+        </p:txBody>
+      </p:sp>
+      <p:sp>
+        <p:nvSpPr>
+          <p:cNvPr id="3" name="Content Placeholder 2">
+            <a:extLst>
+              <a:ext uri="{FF2B5EF4-FFF2-40B4-BE49-F238E27FC236}">
+                <a16:creationId xmlns:a16="http://schemas.microsoft.com/office/drawing/2014/main" id="{14D6A89E-CC4D-BF9B-ADBE-A40E5009E551}"/>
+              </a:ext>
+            </a:extLst>
+          </p:cNvPr>
+          <p:cNvSpPr>
+            <a:spLocks noGrp="1"/>
+          </p:cNvSpPr>
+          <p:nvPr>
+            <p:ph idx="1"/>
+          </p:nvPr>
+        </p:nvSpPr>
+        <p:spPr/>
+        <p:txBody>
+          <a:bodyPr/>
+          <a:lstStyle/>
+          <a:p>
+            <a:r>
+              <a:rPr lang="en-US" dirty="0"/>
+              <a:t>These results are definitely promising and will likely lead to the simulation matching the observations</a:t>
+            </a:r>
+          </a:p>
+          <a:p>
+            <a:r>
+              <a:rPr lang="en-US" dirty="0"/>
+              <a:t>With the “forcing”, I can much easily manipulate the wind speeds</a:t>
+            </a:r>
+          </a:p>
+          <a:p>
+            <a:r>
+              <a:rPr lang="en-US" dirty="0"/>
+              <a:t>The South, East, and West tower look really close as well which is a promising sign</a:t>
+            </a:r>
+          </a:p>
+        </p:txBody>
+      </p:sp>
+    </p:spTree>
+    <p:extLst>
+      <p:ext uri="{BB962C8B-B14F-4D97-AF65-F5344CB8AC3E}">
+        <p14:creationId xmlns:p14="http://schemas.microsoft.com/office/powerpoint/2010/main" val="3128761422"/>
+      </p:ext>
+    </p:extLst>
+  </p:cSld>
+  <p:clrMapOvr>
+    <a:masterClrMapping/>
+  </p:clrMapOvr>
+</p:sld>
+</file>
+
+<file path=ppt/slides/slide6.xml><?xml version="1.0" encoding="utf-8"?>
+<p:sld xmlns:a="http://schemas.openxmlformats.org/drawingml/2006/main" xmlns:r="http://schemas.openxmlformats.org/officeDocument/2006/relationships" xmlns:p="http://schemas.openxmlformats.org/presentationml/2006/main">
+  <p:cSld>
+    <p:spTree>
+      <p:nvGrpSpPr>
+        <p:cNvPr id="1" name=""/>
+        <p:cNvGrpSpPr/>
+        <p:nvPr/>
+      </p:nvGrpSpPr>
+      <p:grpSpPr>
+        <a:xfrm>
+          <a:off x="0" y="0"/>
+          <a:ext cx="0" cy="0"/>
+          <a:chOff x="0" y="0"/>
+          <a:chExt cx="0" cy="0"/>
+        </a:xfrm>
+      </p:grpSpPr>
+      <p:sp>
+        <p:nvSpPr>
+          <p:cNvPr id="2" name="Title 1">
+            <a:extLst>
+              <a:ext uri="{FF2B5EF4-FFF2-40B4-BE49-F238E27FC236}">
+                <a16:creationId xmlns:a16="http://schemas.microsoft.com/office/drawing/2014/main" id="{26A16214-C433-F10C-4DFB-A2540520D2D4}"/>
+              </a:ext>
+            </a:extLst>
+          </p:cNvPr>
+          <p:cNvSpPr>
+            <a:spLocks noGrp="1"/>
+          </p:cNvSpPr>
+          <p:nvPr>
+            <p:ph type="title"/>
+          </p:nvPr>
+        </p:nvSpPr>
+        <p:spPr/>
+        <p:txBody>
+          <a:bodyPr/>
+          <a:lstStyle/>
+          <a:p>
+            <a:r>
+              <a:rPr lang="en-US" dirty="0"/>
+              <a:t>Testing the </a:t>
+            </a:r>
+            <a:r>
+              <a:rPr lang="en-US" dirty="0" err="1"/>
+              <a:t>balbi</a:t>
+            </a:r>
+            <a:r>
+              <a:rPr lang="en-US" dirty="0"/>
+              <a:t> model for backfire ROS</a:t>
+            </a:r>
+          </a:p>
+        </p:txBody>
+      </p:sp>
+      <p:sp>
+        <p:nvSpPr>
+          <p:cNvPr id="3" name="Content Placeholder 2">
+            <a:extLst>
+              <a:ext uri="{FF2B5EF4-FFF2-40B4-BE49-F238E27FC236}">
+                <a16:creationId xmlns:a16="http://schemas.microsoft.com/office/drawing/2014/main" id="{E7D7F4B9-3453-48F2-8310-5F05F1B22198}"/>
+              </a:ext>
+            </a:extLst>
+          </p:cNvPr>
+          <p:cNvSpPr>
+            <a:spLocks noGrp="1"/>
+          </p:cNvSpPr>
+          <p:nvPr>
+            <p:ph idx="1"/>
+          </p:nvPr>
+        </p:nvSpPr>
+        <p:spPr/>
+        <p:txBody>
+          <a:bodyPr/>
+          <a:lstStyle/>
+          <a:p>
+            <a:r>
+              <a:rPr lang="en-US" dirty="0"/>
+              <a:t>To see how the model behaves when there are negative components as an input, I ran multiple experiments with varying wind speeds and slope</a:t>
+            </a:r>
+          </a:p>
+          <a:p>
+            <a:r>
+              <a:rPr lang="en-US" dirty="0"/>
+              <a:t>Everything from 0m/s to 10m/s and slopes varying from 0-80 degrees in both the positive and negative were tested</a:t>
+            </a:r>
+          </a:p>
+        </p:txBody>
+      </p:sp>
+    </p:spTree>
+    <p:extLst>
+      <p:ext uri="{BB962C8B-B14F-4D97-AF65-F5344CB8AC3E}">
+        <p14:creationId xmlns:p14="http://schemas.microsoft.com/office/powerpoint/2010/main" val="3958560404"/>
+      </p:ext>
+    </p:extLst>
+  </p:cSld>
+  <p:clrMapOvr>
+    <a:masterClrMapping/>
+  </p:clrMapOvr>
+</p:sld>
+</file>
+
+<file path=ppt/slides/slide7.xml><?xml version="1.0" encoding="utf-8"?>
+<p:sld xmlns:a="http://schemas.openxmlformats.org/drawingml/2006/main" xmlns:r="http://schemas.openxmlformats.org/officeDocument/2006/relationships" xmlns:p="http://schemas.openxmlformats.org/presentationml/2006/main">
+  <p:cSld>
+    <p:spTree>
+      <p:nvGrpSpPr>
+        <p:cNvPr id="1" name=""/>
+        <p:cNvGrpSpPr/>
+        <p:nvPr/>
+      </p:nvGrpSpPr>
+      <p:grpSpPr>
+        <a:xfrm>
+          <a:off x="0" y="0"/>
+          <a:ext cx="0" cy="0"/>
+          <a:chOff x="0" y="0"/>
+          <a:chExt cx="0" cy="0"/>
+        </a:xfrm>
+      </p:grpSpPr>
+      <p:sp>
+        <p:nvSpPr>
+          <p:cNvPr id="2" name="Title 1">
+            <a:extLst>
+              <a:ext uri="{FF2B5EF4-FFF2-40B4-BE49-F238E27FC236}">
+                <a16:creationId xmlns:a16="http://schemas.microsoft.com/office/drawing/2014/main" id="{132533B0-E650-7368-9E79-EAE7D37A36B4}"/>
+              </a:ext>
+            </a:extLst>
+          </p:cNvPr>
+          <p:cNvSpPr>
+            <a:spLocks noGrp="1"/>
+          </p:cNvSpPr>
+          <p:nvPr>
+            <p:ph type="title"/>
+          </p:nvPr>
+        </p:nvSpPr>
+        <p:spPr/>
+        <p:txBody>
+          <a:bodyPr/>
+          <a:lstStyle/>
+          <a:p>
+            <a:r>
+              <a:rPr lang="en-US" dirty="0"/>
+              <a:t>results</a:t>
+            </a:r>
+          </a:p>
+        </p:txBody>
+      </p:sp>
+      <p:sp>
+        <p:nvSpPr>
+          <p:cNvPr id="3" name="Content Placeholder 2">
+            <a:extLst>
+              <a:ext uri="{FF2B5EF4-FFF2-40B4-BE49-F238E27FC236}">
+                <a16:creationId xmlns:a16="http://schemas.microsoft.com/office/drawing/2014/main" id="{A77EAED6-B8FA-1B7E-18AC-2DED5CAB4D1A}"/>
+              </a:ext>
+            </a:extLst>
+          </p:cNvPr>
+          <p:cNvSpPr>
+            <a:spLocks noGrp="1"/>
+          </p:cNvSpPr>
+          <p:nvPr>
+            <p:ph idx="1"/>
+          </p:nvPr>
+        </p:nvSpPr>
+        <p:spPr/>
+        <p:txBody>
+          <a:bodyPr/>
+          <a:lstStyle/>
+          <a:p>
+            <a:r>
+              <a:rPr lang="en-US" dirty="0"/>
+              <a:t>Here are the results of the experiment</a:t>
+            </a:r>
+          </a:p>
+          <a:p>
+            <a:pPr lvl="1"/>
+            <a:r>
+              <a:rPr lang="en-US" dirty="0">
+                <a:hlinkClick r:id="rId2"/>
+              </a:rPr>
+              <a:t>https://docs.google.com/spreadsheets/d/1UyLDvxIrN9w5RV9439ka19G-Do0ME705IbqF1NmYmu4/edit#gid=0</a:t>
+            </a:r>
+            <a:endParaRPr lang="en-US" dirty="0"/>
+          </a:p>
+        </p:txBody>
+      </p:sp>
+      <p:pic>
+        <p:nvPicPr>
+          <p:cNvPr id="4" name="Picture 3">
+            <a:extLst>
+              <a:ext uri="{FF2B5EF4-FFF2-40B4-BE49-F238E27FC236}">
+                <a16:creationId xmlns:a16="http://schemas.microsoft.com/office/drawing/2014/main" id="{8B4D6B95-B0EB-0CCC-9BF5-3AF4C4A4DB27}"/>
+              </a:ext>
+            </a:extLst>
+          </p:cNvPr>
+          <p:cNvPicPr>
+            <a:picLocks noChangeAspect="1"/>
+          </p:cNvPicPr>
+          <p:nvPr/>
+        </p:nvPicPr>
+        <p:blipFill>
+          <a:blip r:embed="rId3"/>
+          <a:stretch>
+            <a:fillRect/>
+          </a:stretch>
+        </p:blipFill>
+        <p:spPr>
+          <a:xfrm>
+            <a:off x="0" y="3894268"/>
+            <a:ext cx="5257866" cy="2963732"/>
+          </a:xfrm>
+          <a:prstGeom prst="rect">
+            <a:avLst/>
+          </a:prstGeom>
+        </p:spPr>
+      </p:pic>
+    </p:spTree>
+    <p:extLst>
+      <p:ext uri="{BB962C8B-B14F-4D97-AF65-F5344CB8AC3E}">
+        <p14:creationId xmlns:p14="http://schemas.microsoft.com/office/powerpoint/2010/main" val="1048294369"/>
+      </p:ext>
+    </p:extLst>
+  </p:cSld>
+  <p:clrMapOvr>
+    <a:masterClrMapping/>
+  </p:clrMapOvr>
+</p:sld>
+</file>
+
+<file path=ppt/slides/slide8.xml><?xml version="1.0" encoding="utf-8"?>
+<p:sld xmlns:a="http://schemas.openxmlformats.org/drawingml/2006/main" xmlns:r="http://schemas.openxmlformats.org/officeDocument/2006/relationships" xmlns:p="http://schemas.openxmlformats.org/presentationml/2006/main">
+  <p:cSld>
+    <p:spTree>
+      <p:nvGrpSpPr>
+        <p:cNvPr id="1" name=""/>
+        <p:cNvGrpSpPr/>
+        <p:nvPr/>
+      </p:nvGrpSpPr>
+      <p:grpSpPr>
+        <a:xfrm>
+          <a:off x="0" y="0"/>
+          <a:ext cx="0" cy="0"/>
+          <a:chOff x="0" y="0"/>
+          <a:chExt cx="0" cy="0"/>
+        </a:xfrm>
+      </p:grpSpPr>
+      <p:sp>
+        <p:nvSpPr>
+          <p:cNvPr id="2" name="Title 1">
+            <a:extLst>
+              <a:ext uri="{FF2B5EF4-FFF2-40B4-BE49-F238E27FC236}">
+                <a16:creationId xmlns:a16="http://schemas.microsoft.com/office/drawing/2014/main" id="{CB1F0352-B1CA-3408-725D-52CBD18D2217}"/>
+              </a:ext>
+            </a:extLst>
+          </p:cNvPr>
+          <p:cNvSpPr>
+            <a:spLocks noGrp="1"/>
+          </p:cNvSpPr>
+          <p:nvPr>
+            <p:ph type="title"/>
+          </p:nvPr>
+        </p:nvSpPr>
+        <p:spPr/>
+        <p:txBody>
+          <a:bodyPr/>
+          <a:lstStyle/>
+          <a:p>
+            <a:r>
+              <a:rPr lang="en-US" dirty="0"/>
+              <a:t>Results (conceptually)</a:t>
+            </a:r>
+          </a:p>
+        </p:txBody>
+      </p:sp>
+      <p:sp>
+        <p:nvSpPr>
+          <p:cNvPr id="3" name="Content Placeholder 2">
+            <a:extLst>
+              <a:ext uri="{FF2B5EF4-FFF2-40B4-BE49-F238E27FC236}">
+                <a16:creationId xmlns:a16="http://schemas.microsoft.com/office/drawing/2014/main" id="{D2459C10-955C-46D3-0F15-7C0977171E22}"/>
+              </a:ext>
+            </a:extLst>
+          </p:cNvPr>
+          <p:cNvSpPr>
+            <a:spLocks noGrp="1"/>
+          </p:cNvSpPr>
+          <p:nvPr>
+            <p:ph idx="1"/>
+          </p:nvPr>
+        </p:nvSpPr>
+        <p:spPr/>
+        <p:txBody>
+          <a:bodyPr/>
+          <a:lstStyle/>
+          <a:p>
+            <a:r>
+              <a:rPr lang="en-US" dirty="0"/>
+              <a:t>The main question we were looking for in this spreadsheet is how do all the components react to a negative component </a:t>
+            </a:r>
+          </a:p>
+          <a:p>
+            <a:r>
+              <a:rPr lang="en-US" dirty="0"/>
+              <a:t>To attempt to figure out which part should be contributing I created a zoom whiteboard with a bunch of figures to help visualize it</a:t>
+            </a:r>
+          </a:p>
+          <a:p>
+            <a:pPr lvl="1"/>
+            <a:r>
+              <a:rPr lang="en-US" dirty="0"/>
+              <a:t>https://us02web.zoom.us/</a:t>
+            </a:r>
+            <a:r>
+              <a:rPr lang="en-US" dirty="0" err="1"/>
+              <a:t>wb</a:t>
+            </a:r>
+            <a:r>
+              <a:rPr lang="en-US" dirty="0"/>
+              <a:t>/doc/3j-3n7GiSC23tbM_kwMk3A</a:t>
+            </a:r>
+          </a:p>
+        </p:txBody>
+      </p:sp>
+      <p:pic>
+        <p:nvPicPr>
+          <p:cNvPr id="4" name="Picture 3">
+            <a:extLst>
+              <a:ext uri="{FF2B5EF4-FFF2-40B4-BE49-F238E27FC236}">
+                <a16:creationId xmlns:a16="http://schemas.microsoft.com/office/drawing/2014/main" id="{2F45EA68-D2C6-ECDB-F5CC-4F11FE81EFE8}"/>
+              </a:ext>
+            </a:extLst>
+          </p:cNvPr>
+          <p:cNvPicPr>
+            <a:picLocks noChangeAspect="1"/>
+          </p:cNvPicPr>
+          <p:nvPr/>
+        </p:nvPicPr>
+        <p:blipFill>
+          <a:blip r:embed="rId2"/>
+          <a:stretch>
+            <a:fillRect/>
+          </a:stretch>
+        </p:blipFill>
+        <p:spPr>
+          <a:xfrm>
+            <a:off x="0" y="4319955"/>
+            <a:ext cx="3648251" cy="2538045"/>
+          </a:xfrm>
+          <a:prstGeom prst="rect">
+            <a:avLst/>
+          </a:prstGeom>
+        </p:spPr>
+      </p:pic>
+    </p:spTree>
+    <p:extLst>
+      <p:ext uri="{BB962C8B-B14F-4D97-AF65-F5344CB8AC3E}">
+        <p14:creationId xmlns:p14="http://schemas.microsoft.com/office/powerpoint/2010/main" val="192170237"/>
+      </p:ext>
+    </p:extLst>
+  </p:cSld>
+  <p:clrMapOvr>
+    <a:masterClrMapping/>
+  </p:clrMapOvr>
+</p:sld>
+</file>
+
+<file path=ppt/slides/slide9.xml><?xml version="1.0" encoding="utf-8"?>
+<p:sld xmlns:a="http://schemas.openxmlformats.org/drawingml/2006/main" xmlns:r="http://schemas.openxmlformats.org/officeDocument/2006/relationships" xmlns:p="http://schemas.openxmlformats.org/presentationml/2006/main">
+  <p:cSld>
+    <p:spTree>
+      <p:nvGrpSpPr>
+        <p:cNvPr id="1" name=""/>
+        <p:cNvGrpSpPr/>
+        <p:nvPr/>
+      </p:nvGrpSpPr>
+      <p:grpSpPr>
+        <a:xfrm>
+          <a:off x="0" y="0"/>
+          <a:ext cx="0" cy="0"/>
+          <a:chOff x="0" y="0"/>
+          <a:chExt cx="0" cy="0"/>
+        </a:xfrm>
+      </p:grpSpPr>
+      <p:sp>
+        <p:nvSpPr>
+          <p:cNvPr id="2" name="Title 1">
+            <a:extLst>
+              <a:ext uri="{FF2B5EF4-FFF2-40B4-BE49-F238E27FC236}">
+                <a16:creationId xmlns:a16="http://schemas.microsoft.com/office/drawing/2014/main" id="{269010EB-17AC-5A0E-2610-4F5E68E62218}"/>
+              </a:ext>
+            </a:extLst>
+          </p:cNvPr>
+          <p:cNvSpPr>
+            <a:spLocks noGrp="1"/>
+          </p:cNvSpPr>
+          <p:nvPr>
+            <p:ph type="title"/>
+          </p:nvPr>
+        </p:nvSpPr>
+        <p:spPr/>
+        <p:txBody>
+          <a:bodyPr/>
+          <a:lstStyle/>
+          <a:p>
+            <a:r>
+              <a:rPr lang="en-US" dirty="0"/>
+              <a:t>Findings</a:t>
+            </a:r>
+          </a:p>
+        </p:txBody>
+      </p:sp>
+      <p:sp>
+        <p:nvSpPr>
+          <p:cNvPr id="3" name="Content Placeholder 2">
+            <a:extLst>
+              <a:ext uri="{FF2B5EF4-FFF2-40B4-BE49-F238E27FC236}">
+                <a16:creationId xmlns:a16="http://schemas.microsoft.com/office/drawing/2014/main" id="{434E62E9-E808-C30A-DF19-2F37E0099633}"/>
+              </a:ext>
+            </a:extLst>
+          </p:cNvPr>
+          <p:cNvSpPr>
+            <a:spLocks noGrp="1"/>
+          </p:cNvSpPr>
+          <p:nvPr>
+            <p:ph idx="1"/>
+          </p:nvPr>
+        </p:nvSpPr>
+        <p:spPr/>
+        <p:txBody>
+          <a:bodyPr/>
+          <a:lstStyle/>
+          <a:p>
+            <a:r>
+              <a:rPr lang="en-US" dirty="0"/>
+              <a:t>I found that the convective component is the main contributor to the backfire ROS in the </a:t>
+            </a:r>
+            <a:r>
+              <a:rPr lang="en-US" dirty="0" err="1"/>
+              <a:t>Balbi</a:t>
+            </a:r>
+            <a:r>
+              <a:rPr lang="en-US" dirty="0"/>
+              <a:t> model</a:t>
+            </a:r>
+          </a:p>
+          <a:p>
+            <a:r>
+              <a:rPr lang="en-US" dirty="0"/>
+              <a:t>Conceptually, I’m not sure I agree with this as I would think the convective component wouldn’t contribute as much as it does, and I thought the flame base radiation would be the main contributor</a:t>
+            </a:r>
+          </a:p>
+          <a:p>
+            <a:r>
+              <a:rPr lang="en-US" dirty="0"/>
+              <a:t>After looking further into the code, there is a slope and wind component (along with an exponential) in the convective component so any small change there seems to get amplified</a:t>
+            </a:r>
+          </a:p>
+          <a:p>
+            <a:endParaRPr lang="en-US" dirty="0"/>
+          </a:p>
+        </p:txBody>
+      </p:sp>
+    </p:spTree>
+    <p:extLst>
+      <p:ext uri="{BB962C8B-B14F-4D97-AF65-F5344CB8AC3E}">
+        <p14:creationId xmlns:p14="http://schemas.microsoft.com/office/powerpoint/2010/main" val="2077420120"/>
       </p:ext>
     </p:extLst>
   </p:cSld>
